--- a/en/ProgrammingLessons/beginner/scratch-Switches.pptx
+++ b/en/ProgrammingLessons/beginner/scratch-Switches.pptx
@@ -217,7 +217,7 @@
           <a:p>
             <a:fld id="{F8D9B3D7-15CB-9343-AA49-EFB5A8F33F18}" type="datetimeFigureOut">
               <a:rPr lang="en-US" smtClean="0"/>
-              <a:t>12/21/19</a:t>
+              <a:t>12/25/19</a:t>
             </a:fld>
             <a:endParaRPr lang="en-US"/>
           </a:p>
@@ -383,7 +383,7 @@
           <a:p>
             <a:fld id="{FD3EFF1E-85A1-6640-AFB9-C38833E80A84}" type="datetimeFigureOut">
               <a:rPr lang="en-US" smtClean="0"/>
-              <a:t>12/21/19</a:t>
+              <a:t>12/25/19</a:t>
             </a:fld>
             <a:endParaRPr lang="en-US"/>
           </a:p>
@@ -887,7 +887,7 @@
           <a:p>
             <a:fld id="{CB621AA7-E2F2-1946-A883-1227AF465F67}" type="datetime1">
               <a:rPr lang="en-US" smtClean="0"/>
-              <a:t>12/21/19</a:t>
+              <a:t>12/25/19</a:t>
             </a:fld>
             <a:endParaRPr lang="en-US"/>
           </a:p>
@@ -1277,35 +1277,6 @@
           </a:p>
         </p:txBody>
       </p:sp>
-      <p:pic>
-        <p:nvPicPr>
-          <p:cNvPr id="19" name="Picture 18" descr="A picture containing drawing&#10;&#10;Description automatically generated">
-            <a:extLst>
-              <a:ext uri="{FF2B5EF4-FFF2-40B4-BE49-F238E27FC236}">
-                <a16:creationId xmlns:a16="http://schemas.microsoft.com/office/drawing/2014/main" id="{6FE792C5-19B8-C341-9760-95C2CAF43B2D}"/>
-              </a:ext>
-            </a:extLst>
-          </p:cNvPr>
-          <p:cNvPicPr>
-            <a:picLocks noChangeAspect="1"/>
-          </p:cNvPicPr>
-          <p:nvPr userDrawn="1"/>
-        </p:nvPicPr>
-        <p:blipFill rotWithShape="1">
-          <a:blip r:embed="rId2"/>
-          <a:srcRect l="1617" t="7031" r="4033" b="8124"/>
-          <a:stretch/>
-        </p:blipFill>
-        <p:spPr>
-          <a:xfrm>
-            <a:off x="89513" y="25985"/>
-            <a:ext cx="8627349" cy="3250097"/>
-          </a:xfrm>
-          <a:prstGeom prst="rect">
-            <a:avLst/>
-          </a:prstGeom>
-        </p:spPr>
-      </p:pic>
     </p:spTree>
     <p:extLst>
       <p:ext uri="{BB962C8B-B14F-4D97-AF65-F5344CB8AC3E}">
@@ -1426,7 +1397,7 @@
           <a:p>
             <a:fld id="{684F6362-72B8-6643-9E91-AE88AFC17CE8}" type="datetime1">
               <a:rPr lang="en-US" smtClean="0"/>
-              <a:t>12/21/19</a:t>
+              <a:t>12/25/19</a:t>
             </a:fld>
             <a:endParaRPr lang="en-US"/>
           </a:p>
@@ -1615,7 +1586,7 @@
           <a:p>
             <a:fld id="{522755E7-3040-F140-B7CC-867B006B4C46}" type="datetime1">
               <a:rPr lang="en-US" smtClean="0"/>
-              <a:t>12/21/19</a:t>
+              <a:t>12/25/19</a:t>
             </a:fld>
             <a:endParaRPr lang="en-US"/>
           </a:p>
@@ -1816,7 +1787,7 @@
           <a:p>
             <a:fld id="{71DCABD0-B20C-6649-B769-8BDE96376921}" type="datetime1">
               <a:rPr lang="en-US" smtClean="0"/>
-              <a:t>12/21/19</a:t>
+              <a:t>12/25/19</a:t>
             </a:fld>
             <a:endParaRPr lang="en-US"/>
           </a:p>
@@ -1987,7 +1958,7 @@
           <a:p>
             <a:fld id="{0CE84834-0D0D-7349-8761-0791429CA210}" type="datetime1">
               <a:rPr lang="en-US" smtClean="0"/>
-              <a:t>12/21/19</a:t>
+              <a:t>12/25/19</a:t>
             </a:fld>
             <a:endParaRPr lang="en-US"/>
           </a:p>
@@ -2235,7 +2206,7 @@
           <a:p>
             <a:fld id="{0FDF4C80-5995-474A-A6D0-5DA4E603DA77}" type="datetime1">
               <a:rPr lang="en-US" smtClean="0"/>
-              <a:t>12/21/19</a:t>
+              <a:t>12/25/19</a:t>
             </a:fld>
             <a:endParaRPr lang="en-US"/>
           </a:p>
@@ -2467,7 +2438,7 @@
           <a:p>
             <a:fld id="{6F4D2A18-5FB8-6A4B-B37F-4C827F81872C}" type="datetime1">
               <a:rPr lang="en-US" smtClean="0"/>
-              <a:t>12/21/19</a:t>
+              <a:t>12/25/19</a:t>
             </a:fld>
             <a:endParaRPr lang="en-US"/>
           </a:p>
@@ -2834,7 +2805,7 @@
           <a:p>
             <a:fld id="{C1B73539-A358-7044-ABC9-FE0CF0D7999E}" type="datetime1">
               <a:rPr lang="en-US" smtClean="0"/>
-              <a:t>12/21/19</a:t>
+              <a:t>12/25/19</a:t>
             </a:fld>
             <a:endParaRPr lang="en-US"/>
           </a:p>
@@ -2954,7 +2925,7 @@
           <a:p>
             <a:fld id="{5711873F-6D40-944D-9027-D9B7D584CFD7}" type="datetime1">
               <a:rPr lang="en-US" smtClean="0"/>
-              <a:t>12/21/19</a:t>
+              <a:t>12/25/19</a:t>
             </a:fld>
             <a:endParaRPr lang="en-US"/>
           </a:p>
@@ -3052,7 +3023,7 @@
           <a:p>
             <a:fld id="{1D61B633-25EC-8F46-84C3-6F0BA749B040}" type="datetime1">
               <a:rPr lang="en-US" smtClean="0"/>
-              <a:t>12/21/19</a:t>
+              <a:t>12/25/19</a:t>
             </a:fld>
             <a:endParaRPr lang="en-US"/>
           </a:p>
@@ -3330,7 +3301,7 @@
           <a:p>
             <a:fld id="{80A7755B-06D6-AA48-ACF4-F1CE20F01765}" type="datetime1">
               <a:rPr lang="en-US" smtClean="0"/>
-              <a:t>12/21/19</a:t>
+              <a:t>12/25/19</a:t>
             </a:fld>
             <a:endParaRPr lang="en-US"/>
           </a:p>
@@ -3512,7 +3483,7 @@
           <a:p>
             <a:fld id="{4C599451-849E-A147-8845-80F852E55925}" type="datetime1">
               <a:rPr lang="en-US" smtClean="0"/>
-              <a:t>12/21/19</a:t>
+              <a:t>12/25/19</a:t>
             </a:fld>
             <a:endParaRPr lang="en-US"/>
           </a:p>
@@ -3778,7 +3749,7 @@
           <a:p>
             <a:fld id="{C1491D00-A1AC-8149-8862-76DD7233121B}" type="datetime1">
               <a:rPr lang="en-US" smtClean="0"/>
-              <a:t>12/21/19</a:t>
+              <a:t>12/25/19</a:t>
             </a:fld>
             <a:endParaRPr lang="en-US"/>
           </a:p>
@@ -3949,7 +3920,7 @@
           <a:p>
             <a:fld id="{6A808083-1E2E-F44D-B579-47C939ECD4C2}" type="datetime1">
               <a:rPr lang="en-US" smtClean="0"/>
-              <a:t>12/21/19</a:t>
+              <a:t>12/25/19</a:t>
             </a:fld>
             <a:endParaRPr lang="en-US"/>
           </a:p>
@@ -4130,7 +4101,7 @@
           <a:p>
             <a:fld id="{C80A3E99-BF0A-CD4F-B887-EFD8F3FB3315}" type="datetime1">
               <a:rPr lang="en-US" smtClean="0"/>
-              <a:t>12/21/19</a:t>
+              <a:t>12/25/19</a:t>
             </a:fld>
             <a:endParaRPr lang="en-US"/>
           </a:p>
@@ -4387,7 +4358,7 @@
           <a:p>
             <a:fld id="{94F7B08B-ED6C-AF42-9DD4-40DBF3C70CE6}" type="datetime1">
               <a:rPr lang="en-US" smtClean="0"/>
-              <a:t>12/21/19</a:t>
+              <a:t>12/25/19</a:t>
             </a:fld>
             <a:endParaRPr lang="en-US"/>
           </a:p>
@@ -4690,7 +4661,7 @@
           <a:p>
             <a:fld id="{799D654F-0B49-794A-98DB-F7D973950AA7}" type="datetime1">
               <a:rPr lang="en-US" smtClean="0"/>
-              <a:t>12/21/19</a:t>
+              <a:t>12/25/19</a:t>
             </a:fld>
             <a:endParaRPr lang="en-US"/>
           </a:p>
@@ -5144,7 +5115,7 @@
           <a:p>
             <a:fld id="{0CE26B01-717F-4F4B-8DE7-0973111CC13A}" type="datetime1">
               <a:rPr lang="en-US" smtClean="0"/>
-              <a:t>12/21/19</a:t>
+              <a:t>12/25/19</a:t>
             </a:fld>
             <a:endParaRPr lang="en-US"/>
           </a:p>
@@ -5272,7 +5243,7 @@
           <a:p>
             <a:fld id="{DEE763BC-EE5C-3044-897F-3E4595A3BDBB}" type="datetime1">
               <a:rPr lang="en-US" smtClean="0"/>
-              <a:t>12/21/19</a:t>
+              <a:t>12/25/19</a:t>
             </a:fld>
             <a:endParaRPr lang="en-US"/>
           </a:p>
@@ -5378,7 +5349,7 @@
           <a:p>
             <a:fld id="{AE05D960-B505-5E41-BE85-09A58DB4F304}" type="datetime1">
               <a:rPr lang="en-US" smtClean="0"/>
-              <a:t>12/21/19</a:t>
+              <a:t>12/25/19</a:t>
             </a:fld>
             <a:endParaRPr lang="en-US"/>
           </a:p>
@@ -5636,7 +5607,7 @@
           <a:p>
             <a:fld id="{E0A70E1F-7E2F-674B-817F-F66A8B55DAA4}" type="datetime1">
               <a:rPr lang="en-US" smtClean="0"/>
-              <a:t>12/21/19</a:t>
+              <a:t>12/25/19</a:t>
             </a:fld>
             <a:endParaRPr lang="en-US"/>
           </a:p>
@@ -5944,7 +5915,7 @@
           <a:p>
             <a:fld id="{0870BA08-BF9C-074E-B188-4CCE3206025D}" type="datetime1">
               <a:rPr lang="en-US" smtClean="0"/>
-              <a:t>12/21/19</a:t>
+              <a:t>12/25/19</a:t>
             </a:fld>
             <a:endParaRPr lang="en-US"/>
           </a:p>
@@ -6254,7 +6225,7 @@
           <a:p>
             <a:fld id="{BF15EC7E-5E98-744A-BDB7-DF786188EBC8}" type="datetime1">
               <a:rPr lang="en-US" smtClean="0"/>
-              <a:t>12/21/19</a:t>
+              <a:t>12/25/19</a:t>
             </a:fld>
             <a:endParaRPr lang="en-US"/>
           </a:p>
@@ -7030,7 +7001,7 @@
           <a:p>
             <a:fld id="{05A354CF-3FB0-3746-91B3-6CD6B9AE0553}" type="datetime1">
               <a:rPr lang="en-US" smtClean="0"/>
-              <a:t>12/21/19</a:t>
+              <a:t>12/25/19</a:t>
             </a:fld>
             <a:endParaRPr lang="en-US"/>
           </a:p>
@@ -7449,47 +7420,112 @@
             <p:ph type="subTitle" idx="1"/>
           </p:nvPr>
         </p:nvSpPr>
-        <p:spPr/>
-        <p:txBody>
-          <a:bodyPr/>
-          <a:lstStyle/>
-          <a:p>
-            <a:r>
-              <a:rPr lang="en-US" dirty="0"/>
-              <a:t>Switches (If Then and If Then Else Blocks)</a:t>
-            </a:r>
-          </a:p>
-        </p:txBody>
-      </p:sp>
-      <p:sp>
-        <p:nvSpPr>
-          <p:cNvPr id="3" name="Title 2"/>
-          <p:cNvSpPr>
-            <a:spLocks noGrp="1"/>
-          </p:cNvSpPr>
-          <p:nvPr>
-            <p:ph type="ctrTitle"/>
-          </p:nvPr>
-        </p:nvSpPr>
-        <p:spPr/>
-        <p:txBody>
-          <a:bodyPr/>
-          <a:lstStyle/>
-          <a:p>
-            <a:pPr algn="ctr"/>
-            <a:r>
-              <a:rPr lang="en-US" dirty="0"/>
+        <p:spPr>
+          <a:xfrm>
+            <a:off x="1143000" y="3279178"/>
+            <a:ext cx="6858000" cy="914400"/>
+          </a:xfrm>
+        </p:spPr>
+        <p:txBody>
+          <a:bodyPr>
+            <a:normAutofit/>
+          </a:bodyPr>
+          <a:lstStyle/>
+          <a:p>
+            <a:r>
+              <a:rPr lang="en-US" sz="2400" dirty="0"/>
+              <a:t>EV3 Classroom: Switches (If Then and If Then Else Blocks)</a:t>
+            </a:r>
+          </a:p>
+        </p:txBody>
+      </p:sp>
+      <p:sp>
+        <p:nvSpPr>
+          <p:cNvPr id="7" name="Title 1">
+            <a:extLst>
+              <a:ext uri="{FF2B5EF4-FFF2-40B4-BE49-F238E27FC236}">
+                <a16:creationId xmlns:a16="http://schemas.microsoft.com/office/drawing/2014/main" id="{8A4C0197-D87B-4A48-AA86-88651B1DD4D0}"/>
+              </a:ext>
+            </a:extLst>
+          </p:cNvPr>
+          <p:cNvSpPr txBox="1">
+            <a:spLocks/>
+          </p:cNvSpPr>
+          <p:nvPr/>
+        </p:nvSpPr>
+        <p:spPr>
+          <a:xfrm>
+            <a:off x="4868091" y="272833"/>
+            <a:ext cx="3897684" cy="1598052"/>
+          </a:xfrm>
+          <a:prstGeom prst="rect">
+            <a:avLst/>
+          </a:prstGeom>
+        </p:spPr>
+        <p:txBody>
+          <a:bodyPr vert="horz" lIns="91440" tIns="45720" rIns="91440" bIns="45720" rtlCol="0" anchor="t" anchorCtr="0">
+            <a:noAutofit/>
+          </a:bodyPr>
+          <a:lstStyle>
+            <a:lvl1pPr algn="l" defTabSz="914400" rtl="0" eaLnBrk="1" latinLnBrk="0" hangingPunct="1">
+              <a:spcBef>
+                <a:spcPct val="0"/>
+              </a:spcBef>
+              <a:buNone/>
+              <a:defRPr sz="2800" kern="1200" cap="all" spc="-60" baseline="0">
+                <a:solidFill>
+                  <a:schemeClr val="tx2"/>
+                </a:solidFill>
+                <a:latin typeface="+mj-lt"/>
+                <a:ea typeface="+mj-ea"/>
+                <a:cs typeface="+mj-cs"/>
+              </a:defRPr>
+            </a:lvl1pPr>
+          </a:lstStyle>
+          <a:p>
+            <a:r>
+              <a:rPr lang="en-US" sz="3200"/>
               <a:t>BEGINNER PROGRAMMING LESSON</a:t>
             </a:r>
+            <a:endParaRPr lang="en-US" sz="3200" dirty="0"/>
           </a:p>
         </p:txBody>
       </p:sp>
       <p:pic>
         <p:nvPicPr>
-          <p:cNvPr id="5" name="Picture 4" descr="A close up of a sign&#10;&#10;Description automatically generated">
+          <p:cNvPr id="8" name="Picture 7" descr="A picture containing drawing&#10;&#10;Description automatically generated">
             <a:extLst>
               <a:ext uri="{FF2B5EF4-FFF2-40B4-BE49-F238E27FC236}">
-                <a16:creationId xmlns:a16="http://schemas.microsoft.com/office/drawing/2014/main" id="{AB557434-840C-8142-822C-CF75BC7466D1}"/>
+                <a16:creationId xmlns:a16="http://schemas.microsoft.com/office/drawing/2014/main" id="{F36BD237-D130-D84B-9A3C-38E9951A258B}"/>
+              </a:ext>
+            </a:extLst>
+          </p:cNvPr>
+          <p:cNvPicPr>
+            <a:picLocks noChangeAspect="1"/>
+          </p:cNvPicPr>
+          <p:nvPr/>
+        </p:nvPicPr>
+        <p:blipFill rotWithShape="1">
+          <a:blip r:embed="rId3"/>
+          <a:srcRect l="1617" t="7031" r="4033" b="8124"/>
+          <a:stretch/>
+        </p:blipFill>
+        <p:spPr>
+          <a:xfrm>
+            <a:off x="129863" y="209018"/>
+            <a:ext cx="4442137" cy="1673443"/>
+          </a:xfrm>
+          <a:prstGeom prst="rect">
+            <a:avLst/>
+          </a:prstGeom>
+        </p:spPr>
+      </p:pic>
+      <p:pic>
+        <p:nvPicPr>
+          <p:cNvPr id="9" name="Picture 8" descr="A close up of a sign&#10;&#10;Description automatically generated">
+            <a:extLst>
+              <a:ext uri="{FF2B5EF4-FFF2-40B4-BE49-F238E27FC236}">
+                <a16:creationId xmlns:a16="http://schemas.microsoft.com/office/drawing/2014/main" id="{0704B5EC-025D-2F45-97CB-857309658FF7}"/>
               </a:ext>
             </a:extLst>
           </p:cNvPr>
@@ -7499,15 +7535,21 @@
           <p:nvPr/>
         </p:nvPicPr>
         <p:blipFill>
-          <a:blip r:embed="rId3"/>
+          <a:blip r:embed="rId4">
+            <a:extLst>
+              <a:ext uri="{28A0092B-C50C-407E-A947-70E740481C1C}">
+                <a14:useLocalDpi xmlns:a14="http://schemas.microsoft.com/office/drawing/2010/main" val="0"/>
+              </a:ext>
+            </a:extLst>
+          </a:blip>
           <a:stretch>
             <a:fillRect/>
           </a:stretch>
         </p:blipFill>
         <p:spPr>
-          <a:xfrm rot="905751">
-            <a:off x="7428181" y="371720"/>
-            <a:ext cx="1124670" cy="1101589"/>
+          <a:xfrm>
+            <a:off x="3730120" y="4883748"/>
+            <a:ext cx="1444298" cy="1444298"/>
           </a:xfrm>
           <a:prstGeom prst="rect">
             <a:avLst/>
